--- a/lectures/lecture-22/CSE12F20-Lecture-22-Streams.pptx
+++ b/lectures/lecture-22/CSE12F20-Lecture-22-Streams.pptx
@@ -5013,7 +5013,7 @@
             </a:pPr>
             <a:r>
               <a:rPr lang="en" sz="800" dirty="0"/>
-              <a:t>CSE12F20-Nov20-1</a:t>
+              <a:t>CSE12F20-Nov30-1</a:t>
             </a:r>
             <a:endParaRPr sz="800" dirty="0"/>
           </a:p>
